--- a/format-encodings/documents/ARCHIVE/multiplication.pptx
+++ b/format-encodings/documents/ARCHIVE/multiplication.pptx
@@ -7294,7 +7294,7 @@
                 <a:cs typeface="Source Code Pro"/>
                 <a:sym typeface="Source Code Pro"/>
               </a:rPr>
-              <a:t>    013   (b)</a:t>
+              <a:t>    013   (a)</a:t>
             </a:r>
             <a:br>
               <a:rPr lang="en" sz="1200" dirty="0">
@@ -7422,7 +7422,7 @@
                 <a:cs typeface="Source Code Pro"/>
                 <a:sym typeface="Source Code Pro"/>
               </a:rPr>
-              <a:t>(b*0)*10</a:t>
+              <a:t>(a*0)*10</a:t>
             </a:r>
             <a:br>
               <a:rPr lang="en" sz="1200" dirty="0">
@@ -8068,7 +8068,7 @@
                 <a:latin typeface="Source Sans Pro" panose="020F0502020204030204" pitchFamily="34" charset="0"/>
                 <a:ea typeface="Source Sans Pro" panose="020F0502020204030204" pitchFamily="34" charset="0"/>
               </a:rPr>
-              <a:t>     sum += A * B[d];</a:t>
+              <a:t>     sum += a * B[d];</a:t>
             </a:r>
             <a:br>
               <a:rPr lang="en" sz="1800" dirty="0">
@@ -8081,7 +8081,7 @@
                 <a:latin typeface="Source Sans Pro" panose="020F0502020204030204" pitchFamily="34" charset="0"/>
                 <a:ea typeface="Source Sans Pro" panose="020F0502020204030204" pitchFamily="34" charset="0"/>
               </a:rPr>
-              <a:t>     A = A </a:t>
+              <a:t>     a = a </a:t>
             </a:r>
             <a:r>
               <a:rPr lang="en" sz="1800" dirty="0">
@@ -8315,7 +8315,7 @@
                 <a:cs typeface="Source Code Pro"/>
                 <a:sym typeface="Source Code Pro"/>
               </a:rPr>
-              <a:t>(b*0)*10</a:t>
+              <a:t>(a*0)*10</a:t>
             </a:r>
             <a:br>
               <a:rPr lang="en" sz="1200" dirty="0">
@@ -8432,7 +8432,7 @@
                 <a:cs typeface="Source Code Pro"/>
                 <a:sym typeface="Source Code Pro"/>
               </a:rPr>
-              <a:t>(A*1)*100</a:t>
+              <a:t>(a*1)*100</a:t>
             </a:r>
             <a:br>
               <a:rPr lang="en" sz="1200" dirty="0">
@@ -8545,7 +8545,7 @@
                 <a:cs typeface="Source Code Pro"/>
                 <a:sym typeface="Source Code Pro"/>
               </a:rPr>
-              <a:t>    013  (A)</a:t>
+              <a:t>    013  (a)</a:t>
             </a:r>
             <a:br>
               <a:rPr lang="en" sz="1200" dirty="0">
@@ -8568,7 +8568,7 @@
                 <a:cs typeface="Source Code Pro"/>
                 <a:sym typeface="Source Code Pro"/>
               </a:rPr>
-              <a:t>*   109  (B)</a:t>
+              <a:t>*   109  (b)</a:t>
             </a:r>
             <a:br>
               <a:rPr lang="en" sz="1200" dirty="0">
@@ -8614,7 +8614,7 @@
                 <a:cs typeface="Source Code Pro"/>
                 <a:sym typeface="Source Code Pro"/>
               </a:rPr>
-              <a:t>    117   (A*1)  * 9</a:t>
+              <a:t>    117   (a*1)  * 9</a:t>
             </a:r>
             <a:br>
               <a:rPr lang="en" sz="1200" dirty="0">
@@ -8673,7 +8673,7 @@
                 <a:cs typeface="Source Code Pro"/>
                 <a:sym typeface="Source Code Pro"/>
               </a:rPr>
-              <a:t>(A*10) * 0</a:t>
+              <a:t>(a*10) * 0</a:t>
             </a:r>
             <a:br>
               <a:rPr lang="en" sz="1200" dirty="0">
@@ -8790,7 +8790,7 @@
                 <a:cs typeface="Source Code Pro"/>
                 <a:sym typeface="Source Code Pro"/>
               </a:rPr>
-              <a:t>(A*100)* 1</a:t>
+              <a:t>(a*100)* 1</a:t>
             </a:r>
             <a:br>
               <a:rPr lang="en" sz="1200" dirty="0">
@@ -9060,7 +9060,7 @@
         </p:nvSpPr>
         <p:spPr>
           <a:xfrm>
-            <a:off x="4363783" y="1656000"/>
+            <a:off x="4161176" y="4813884"/>
             <a:ext cx="2092403" cy="2462182"/>
           </a:xfrm>
           <a:prstGeom prst="roundRect">
@@ -9094,7 +9094,7 @@
           <a:lstStyle/>
           <a:p>
             <a:pPr algn="ctr"/>
-            <a:endParaRPr lang="en-US"/>
+            <a:endParaRPr lang="en-US" dirty="0"/>
           </a:p>
         </p:txBody>
       </p:sp>
@@ -9298,7 +9298,7 @@
                 <a:latin typeface="Source Sans Pro" panose="020B0503030403020204" pitchFamily="34" charset="0"/>
                 <a:ea typeface="Source Sans Pro" panose="020B0503030403020204" pitchFamily="34" charset="0"/>
               </a:rPr>
-              <a:t>         sum += A   </a:t>
+              <a:t>         sum += a   </a:t>
             </a:r>
             <a:r>
               <a:rPr lang="en" sz="1800" strike="sngStrike" dirty="0">
@@ -9345,14 +9345,14 @@
                 <a:latin typeface="Source Sans Pro" panose="020B0503030403020204" pitchFamily="34" charset="0"/>
                 <a:ea typeface="Source Sans Pro" panose="020B0503030403020204" pitchFamily="34" charset="0"/>
               </a:rPr>
-              <a:t>A = A * 2 ;  </a:t>
+              <a:t>a = a * 2 ;</a:t>
             </a:r>
             <a:r>
               <a:rPr lang="en" sz="1800" dirty="0">
                 <a:latin typeface="Source Sans Pro" panose="020B0503030403020204" pitchFamily="34" charset="0"/>
                 <a:ea typeface="Source Sans Pro" panose="020B0503030403020204" pitchFamily="34" charset="0"/>
               </a:rPr>
-              <a:t>// Base 2 shift left</a:t>
+              <a:t>  // Base 2 shift left</a:t>
             </a:r>
             <a:br>
               <a:rPr lang="en" sz="1800" strike="sngStrike" dirty="0">
@@ -9365,7 +9365,7 @@
                 <a:latin typeface="Source Sans Pro" panose="020B0503030403020204" pitchFamily="34" charset="0"/>
                 <a:ea typeface="Source Sans Pro" panose="020B0503030403020204" pitchFamily="34" charset="0"/>
               </a:rPr>
-              <a:t>     A = A &lt;&lt; 1 ;</a:t>
+              <a:t>     a = a &lt;&lt; 1 ;</a:t>
             </a:r>
             <a:br>
               <a:rPr lang="en" sz="1800" dirty="0">
@@ -10630,7 +10630,7 @@
         </p:nvSpPr>
         <p:spPr>
           <a:xfrm>
-            <a:off x="4003261" y="1691379"/>
+            <a:off x="7086314" y="3802250"/>
             <a:ext cx="2335058" cy="3099280"/>
           </a:xfrm>
           <a:prstGeom prst="roundRect">

--- a/format-encodings/documents/ARCHIVE/multiplication.pptx
+++ b/format-encodings/documents/ARCHIVE/multiplication.pptx
@@ -1020,7 +1020,7 @@
               </a:spcAft>
               <a:buNone/>
             </a:pPr>
-            <a:endParaRPr/>
+            <a:endParaRPr dirty="0"/>
           </a:p>
         </p:txBody>
       </p:sp>
@@ -9060,7 +9060,7 @@
         </p:nvSpPr>
         <p:spPr>
           <a:xfrm>
-            <a:off x="4161176" y="4813884"/>
+            <a:off x="7012922" y="3196968"/>
             <a:ext cx="2092403" cy="2462182"/>
           </a:xfrm>
           <a:prstGeom prst="roundRect">
@@ -9869,7 +9869,7 @@
                 <a:cs typeface="Source Code Pro"/>
                 <a:sym typeface="Source Code Pro"/>
               </a:rPr>
-              <a:t>(a*0)* 2^4</a:t>
+              <a:t>(a*0)* 2^2</a:t>
             </a:r>
             <a:br>
               <a:rPr lang="en" sz="1200" dirty="0">
@@ -9986,7 +9986,7 @@
                 <a:cs typeface="Source Code Pro"/>
                 <a:sym typeface="Source Code Pro"/>
               </a:rPr>
-              <a:t>(a*1)* 2^8</a:t>
+              <a:t>(a*1)* 2^4</a:t>
             </a:r>
             <a:br>
               <a:rPr lang="en" sz="1200" dirty="0">
@@ -10439,7 +10439,7 @@
                 <a:cs typeface="Source Code Pro"/>
                 <a:sym typeface="Source Code Pro"/>
               </a:rPr>
-              <a:t>(a*2^4)* 0</a:t>
+              <a:t>(a*2^2)* 0</a:t>
             </a:r>
             <a:br>
               <a:rPr lang="en" sz="1200" dirty="0">
@@ -10556,7 +10556,7 @@
                 <a:cs typeface="Source Code Pro"/>
                 <a:sym typeface="Source Code Pro"/>
               </a:rPr>
-              <a:t>(a*2^8)* 1</a:t>
+              <a:t>(a*2^4)* 1</a:t>
             </a:r>
             <a:br>
               <a:rPr lang="en" sz="1200" dirty="0">
@@ -10630,7 +10630,7 @@
         </p:nvSpPr>
         <p:spPr>
           <a:xfrm>
-            <a:off x="7086314" y="3802250"/>
+            <a:off x="6406281" y="3894580"/>
             <a:ext cx="2335058" cy="3099280"/>
           </a:xfrm>
           <a:prstGeom prst="roundRect">
@@ -10664,7 +10664,7 @@
           <a:lstStyle/>
           <a:p>
             <a:pPr algn="ctr"/>
-            <a:endParaRPr lang="en-US"/>
+            <a:endParaRPr lang="en-US" dirty="0"/>
           </a:p>
         </p:txBody>
       </p:sp>
@@ -10975,7 +10975,14 @@
                 <a:latin typeface="Source Sans Pro" panose="020B0503030403020204" pitchFamily="34" charset="0"/>
                 <a:ea typeface="Source Sans Pro" panose="020B0503030403020204" pitchFamily="34" charset="0"/>
               </a:rPr>
-              <a:t>         sum += A;</a:t>
+              <a:t>         sum </a:t>
+            </a:r>
+            <a:r>
+              <a:rPr lang="en" sz="1800">
+                <a:latin typeface="Source Sans Pro" panose="020B0503030403020204" pitchFamily="34" charset="0"/>
+                <a:ea typeface="Source Sans Pro" panose="020B0503030403020204" pitchFamily="34" charset="0"/>
+              </a:rPr>
+              <a:t>+= a;</a:t>
             </a:r>
             <a:br>
               <a:rPr lang="en" sz="1800" dirty="0">
@@ -10997,11 +11004,18 @@
               </a:rPr>
             </a:br>
             <a:r>
+              <a:rPr lang="en" sz="1800">
+                <a:latin typeface="Source Sans Pro" panose="020B0503030403020204" pitchFamily="34" charset="0"/>
+                <a:ea typeface="Source Sans Pro" panose="020B0503030403020204" pitchFamily="34" charset="0"/>
+              </a:rPr>
+              <a:t>     a = a </a:t>
+            </a:r>
+            <a:r>
               <a:rPr lang="en" sz="1800" dirty="0">
                 <a:latin typeface="Source Sans Pro" panose="020B0503030403020204" pitchFamily="34" charset="0"/>
                 <a:ea typeface="Source Sans Pro" panose="020B0503030403020204" pitchFamily="34" charset="0"/>
               </a:rPr>
-              <a:t>     A &lt;&lt; 1 ;</a:t>
+              <a:t>&lt;&lt; 1 ;</a:t>
             </a:r>
             <a:br>
               <a:rPr lang="en" sz="1800" dirty="0">
